--- a/FCFS Scheduler.pptx
+++ b/FCFS Scheduler.pptx
@@ -110,6 +110,11 @@
       </a:defRPr>
     </a:lvl9pPr>
   </p:defaultTextStyle>
+  <p:extLst>
+    <p:ext uri="{EFAFB233-063F-42B5-8137-9DF3F51BA10A}">
+      <p15:sldGuideLst xmlns:p15="http://schemas.microsoft.com/office/powerpoint/2012/main"/>
+    </p:ext>
+  </p:extLst>
 </p:presentation>
 </file>
 
@@ -3603,36 +3608,6 @@
           </a:p>
         </p:txBody>
       </p:sp>
-      <p:pic>
-        <p:nvPicPr>
-          <p:cNvPr id="4" name="Picture 3">
-            <a:extLst>
-              <a:ext uri="{FF2B5EF4-FFF2-40B4-BE49-F238E27FC236}">
-                <a16:creationId xmlns:a16="http://schemas.microsoft.com/office/drawing/2014/main" id="{A24B5914-31B7-B24F-C36C-4F29F55224A1}"/>
-              </a:ext>
-            </a:extLst>
-          </p:cNvPr>
-          <p:cNvPicPr>
-            <a:picLocks noChangeAspect="1"/>
-          </p:cNvPicPr>
-          <p:nvPr/>
-        </p:nvPicPr>
-        <p:blipFill>
-          <a:blip r:embed="rId2"/>
-          <a:stretch>
-            <a:fillRect/>
-          </a:stretch>
-        </p:blipFill>
-        <p:spPr>
-          <a:xfrm>
-            <a:off x="2732537" y="1449913"/>
-            <a:ext cx="6270061" cy="4906437"/>
-          </a:xfrm>
-          <a:prstGeom prst="rect">
-            <a:avLst/>
-          </a:prstGeom>
-        </p:spPr>
-      </p:pic>
       <p:sp>
         <p:nvSpPr>
           <p:cNvPr id="9" name="Content Placeholder 2">
@@ -3830,8 +3805,82 @@
               <a:t>Create 10 process and assign to 10 screens; Add processes to screens through scheduler</a:t>
             </a:r>
           </a:p>
-        </p:txBody>
-      </p:sp>
+          <a:p>
+            <a:r>
+              <a:rPr lang="en-US" sz="2400" dirty="0"/>
+              <a:t>Start this thread on “</a:t>
+            </a:r>
+            <a:r>
+              <a:rPr lang="en-US" sz="2400" dirty="0" err="1"/>
+              <a:t>onEnabled</a:t>
+            </a:r>
+            <a:r>
+              <a:rPr lang="en-US" sz="2400" dirty="0"/>
+              <a:t>()”</a:t>
+            </a:r>
+          </a:p>
+        </p:txBody>
+      </p:sp>
+      <p:pic>
+        <p:nvPicPr>
+          <p:cNvPr id="6" name="Picture 5">
+            <a:extLst>
+              <a:ext uri="{FF2B5EF4-FFF2-40B4-BE49-F238E27FC236}">
+                <a16:creationId xmlns:a16="http://schemas.microsoft.com/office/drawing/2014/main" id="{C73C8CAD-086A-9396-0712-BEBB90B1E405}"/>
+              </a:ext>
+            </a:extLst>
+          </p:cNvPr>
+          <p:cNvPicPr>
+            <a:picLocks noChangeAspect="1"/>
+          </p:cNvPicPr>
+          <p:nvPr/>
+        </p:nvPicPr>
+        <p:blipFill>
+          <a:blip r:embed="rId2"/>
+          <a:stretch>
+            <a:fillRect/>
+          </a:stretch>
+        </p:blipFill>
+        <p:spPr>
+          <a:xfrm>
+            <a:off x="258750" y="1871662"/>
+            <a:ext cx="9477375" cy="4667250"/>
+          </a:xfrm>
+          <a:prstGeom prst="rect">
+            <a:avLst/>
+          </a:prstGeom>
+        </p:spPr>
+      </p:pic>
+      <p:pic>
+        <p:nvPicPr>
+          <p:cNvPr id="8" name="Picture 7">
+            <a:extLst>
+              <a:ext uri="{FF2B5EF4-FFF2-40B4-BE49-F238E27FC236}">
+                <a16:creationId xmlns:a16="http://schemas.microsoft.com/office/drawing/2014/main" id="{035239AB-366E-82F2-FFE0-4D9E8DFB4641}"/>
+              </a:ext>
+            </a:extLst>
+          </p:cNvPr>
+          <p:cNvPicPr>
+            <a:picLocks noChangeAspect="1"/>
+          </p:cNvPicPr>
+          <p:nvPr/>
+        </p:nvPicPr>
+        <p:blipFill>
+          <a:blip r:embed="rId3"/>
+          <a:stretch>
+            <a:fillRect/>
+          </a:stretch>
+        </p:blipFill>
+        <p:spPr>
+          <a:xfrm>
+            <a:off x="6527031" y="4403498"/>
+            <a:ext cx="5265902" cy="2135414"/>
+          </a:xfrm>
+          <a:prstGeom prst="rect">
+            <a:avLst/>
+          </a:prstGeom>
+        </p:spPr>
+      </p:pic>
     </p:spTree>
     <p:extLst>
       <p:ext uri="{BB962C8B-B14F-4D97-AF65-F5344CB8AC3E}">
@@ -4141,10 +4190,10 @@
       </p:sp>
       <p:pic>
         <p:nvPicPr>
-          <p:cNvPr id="6" name="Picture 5">
-            <a:extLst>
-              <a:ext uri="{FF2B5EF4-FFF2-40B4-BE49-F238E27FC236}">
-                <a16:creationId xmlns:a16="http://schemas.microsoft.com/office/drawing/2014/main" id="{D64DFE41-0E9C-2155-C3EC-CE4198EFD6A8}"/>
+          <p:cNvPr id="4" name="Picture 3">
+            <a:extLst>
+              <a:ext uri="{FF2B5EF4-FFF2-40B4-BE49-F238E27FC236}">
+                <a16:creationId xmlns:a16="http://schemas.microsoft.com/office/drawing/2014/main" id="{B70DCCF5-A37C-61A7-3D0D-E58C893D3F55}"/>
               </a:ext>
             </a:extLst>
           </p:cNvPr>
@@ -4161,8 +4210,8 @@
         </p:blipFill>
         <p:spPr>
           <a:xfrm>
-            <a:off x="344181" y="2068689"/>
-            <a:ext cx="6179168" cy="4613098"/>
+            <a:off x="219075" y="1766052"/>
+            <a:ext cx="8391525" cy="2571750"/>
           </a:xfrm>
           <a:prstGeom prst="rect">
             <a:avLst/>
@@ -4171,10 +4220,10 @@
       </p:pic>
       <p:pic>
         <p:nvPicPr>
-          <p:cNvPr id="8" name="Picture 7">
-            <a:extLst>
-              <a:ext uri="{FF2B5EF4-FFF2-40B4-BE49-F238E27FC236}">
-                <a16:creationId xmlns:a16="http://schemas.microsoft.com/office/drawing/2014/main" id="{CF26484D-BA31-D133-738C-2F498C4F655E}"/>
+          <p:cNvPr id="10" name="Picture 9">
+            <a:extLst>
+              <a:ext uri="{FF2B5EF4-FFF2-40B4-BE49-F238E27FC236}">
+                <a16:creationId xmlns:a16="http://schemas.microsoft.com/office/drawing/2014/main" id="{6C3056BF-E870-C090-A643-0F4125EBAEAD}"/>
               </a:ext>
             </a:extLst>
           </p:cNvPr>
@@ -4191,8 +4240,8 @@
         </p:blipFill>
         <p:spPr>
           <a:xfrm>
-            <a:off x="6523349" y="2660169"/>
-            <a:ext cx="5591410" cy="3090181"/>
+            <a:off x="217088" y="4310311"/>
+            <a:ext cx="4749193" cy="2371476"/>
           </a:xfrm>
           <a:prstGeom prst="rect">
             <a:avLst/>
@@ -4201,10 +4250,10 @@
       </p:pic>
       <p:pic>
         <p:nvPicPr>
-          <p:cNvPr id="11" name="Picture 10">
-            <a:extLst>
-              <a:ext uri="{FF2B5EF4-FFF2-40B4-BE49-F238E27FC236}">
-                <a16:creationId xmlns:a16="http://schemas.microsoft.com/office/drawing/2014/main" id="{70C60D22-0C4D-22C0-4DCA-D045894C3393}"/>
+          <p:cNvPr id="13" name="Picture 12">
+            <a:extLst>
+              <a:ext uri="{FF2B5EF4-FFF2-40B4-BE49-F238E27FC236}">
+                <a16:creationId xmlns:a16="http://schemas.microsoft.com/office/drawing/2014/main" id="{C6F9F755-CB6E-26D8-897C-BCE4A4C25CDE}"/>
               </a:ext>
             </a:extLst>
           </p:cNvPr>
@@ -4221,8 +4270,8 @@
         </p:blipFill>
         <p:spPr>
           <a:xfrm>
-            <a:off x="2752725" y="881062"/>
-            <a:ext cx="6686550" cy="5095875"/>
+            <a:off x="4889127" y="4310312"/>
+            <a:ext cx="6410862" cy="1939660"/>
           </a:xfrm>
           <a:prstGeom prst="rect">
             <a:avLst/>
